--- a/LectureNotes/2.VariableAndDataTypes.pptx
+++ b/LectureNotes/2.VariableAndDataTypes.pptx
@@ -290,7 +290,7 @@
           <a:p>
             <a:fld id="{FB30EDBD-1C2D-4C1E-B459-B60219FAB484}" type="datetimeFigureOut">
               <a:rPr lang="ko-KR" altLang="en-US" smtClean="0"/>
-              <a:t>2018-05-12</a:t>
+              <a:t>2018-05-26</a:t>
             </a:fld>
             <a:endParaRPr lang="ko-KR" altLang="en-US"/>
           </a:p>
@@ -455,7 +455,7 @@
           <a:p>
             <a:fld id="{FB30EDBD-1C2D-4C1E-B459-B60219FAB484}" type="datetimeFigureOut">
               <a:rPr lang="ko-KR" altLang="en-US" smtClean="0"/>
-              <a:t>2018-05-12</a:t>
+              <a:t>2018-05-26</a:t>
             </a:fld>
             <a:endParaRPr lang="ko-KR" altLang="en-US"/>
           </a:p>
@@ -630,7 +630,7 @@
           <a:p>
             <a:fld id="{FB30EDBD-1C2D-4C1E-B459-B60219FAB484}" type="datetimeFigureOut">
               <a:rPr lang="ko-KR" altLang="en-US" smtClean="0"/>
-              <a:t>2018-05-12</a:t>
+              <a:t>2018-05-26</a:t>
             </a:fld>
             <a:endParaRPr lang="ko-KR" altLang="en-US"/>
           </a:p>
@@ -1017,7 +1017,7 @@
           <a:p>
             <a:fld id="{FB30EDBD-1C2D-4C1E-B459-B60219FAB484}" type="datetimeFigureOut">
               <a:rPr lang="ko-KR" altLang="en-US" smtClean="0"/>
-              <a:t>2018-05-12</a:t>
+              <a:t>2018-05-26</a:t>
             </a:fld>
             <a:endParaRPr lang="ko-KR" altLang="en-US"/>
           </a:p>
@@ -1258,7 +1258,7 @@
           <a:p>
             <a:fld id="{FB30EDBD-1C2D-4C1E-B459-B60219FAB484}" type="datetimeFigureOut">
               <a:rPr lang="ko-KR" altLang="en-US" smtClean="0"/>
-              <a:t>2018-05-12</a:t>
+              <a:t>2018-05-26</a:t>
             </a:fld>
             <a:endParaRPr lang="ko-KR" altLang="en-US"/>
           </a:p>
@@ -1541,7 +1541,7 @@
           <a:p>
             <a:fld id="{FB30EDBD-1C2D-4C1E-B459-B60219FAB484}" type="datetimeFigureOut">
               <a:rPr lang="ko-KR" altLang="en-US" smtClean="0"/>
-              <a:t>2018-05-12</a:t>
+              <a:t>2018-05-26</a:t>
             </a:fld>
             <a:endParaRPr lang="ko-KR" altLang="en-US"/>
           </a:p>
@@ -1958,7 +1958,7 @@
           <a:p>
             <a:fld id="{FB30EDBD-1C2D-4C1E-B459-B60219FAB484}" type="datetimeFigureOut">
               <a:rPr lang="ko-KR" altLang="en-US" smtClean="0"/>
-              <a:t>2018-05-12</a:t>
+              <a:t>2018-05-26</a:t>
             </a:fld>
             <a:endParaRPr lang="ko-KR" altLang="en-US"/>
           </a:p>
@@ -2071,7 +2071,7 @@
           <a:p>
             <a:fld id="{FB30EDBD-1C2D-4C1E-B459-B60219FAB484}" type="datetimeFigureOut">
               <a:rPr lang="ko-KR" altLang="en-US" smtClean="0"/>
-              <a:t>2018-05-12</a:t>
+              <a:t>2018-05-26</a:t>
             </a:fld>
             <a:endParaRPr lang="ko-KR" altLang="en-US"/>
           </a:p>
@@ -2161,7 +2161,7 @@
           <a:p>
             <a:fld id="{FB30EDBD-1C2D-4C1E-B459-B60219FAB484}" type="datetimeFigureOut">
               <a:rPr lang="ko-KR" altLang="en-US" smtClean="0"/>
-              <a:t>2018-05-12</a:t>
+              <a:t>2018-05-26</a:t>
             </a:fld>
             <a:endParaRPr lang="ko-KR" altLang="en-US"/>
           </a:p>
@@ -2433,7 +2433,7 @@
           <a:p>
             <a:fld id="{FB30EDBD-1C2D-4C1E-B459-B60219FAB484}" type="datetimeFigureOut">
               <a:rPr lang="ko-KR" altLang="en-US" smtClean="0"/>
-              <a:t>2018-05-12</a:t>
+              <a:t>2018-05-26</a:t>
             </a:fld>
             <a:endParaRPr lang="ko-KR" altLang="en-US"/>
           </a:p>
@@ -2681,7 +2681,7 @@
           <a:p>
             <a:fld id="{FB30EDBD-1C2D-4C1E-B459-B60219FAB484}" type="datetimeFigureOut">
               <a:rPr lang="ko-KR" altLang="en-US" smtClean="0"/>
-              <a:t>2018-05-12</a:t>
+              <a:t>2018-05-26</a:t>
             </a:fld>
             <a:endParaRPr lang="ko-KR" altLang="en-US"/>
           </a:p>
@@ -2889,7 +2889,7 @@
           <a:p>
             <a:fld id="{FB30EDBD-1C2D-4C1E-B459-B60219FAB484}" type="datetimeFigureOut">
               <a:rPr lang="ko-KR" altLang="en-US" smtClean="0"/>
-              <a:t>2018-05-12</a:t>
+              <a:t>2018-05-26</a:t>
             </a:fld>
             <a:endParaRPr lang="ko-KR" altLang="en-US"/>
           </a:p>
